--- a/GAB2019-BLR/Az-TipsAndTricks.pptx
+++ b/GAB2019-BLR/Az-TipsAndTricks.pptx
@@ -262,7 +262,7 @@
             <a:fld id="{48A87A34-81AB-432B-8DAE-1953F412C126}" type="datetimeFigureOut">
               <a:rPr lang="en-US" smtClean="0"/>
               <a:pPr/>
-              <a:t>4/26/2019</a:t>
+              <a:t>4/27/2019</a:t>
             </a:fld>
             <a:endParaRPr lang="en-US" dirty="0"/>
           </a:p>
@@ -473,7 +473,7 @@
           <a:p>
             <a:fld id="{48A87A34-81AB-432B-8DAE-1953F412C126}" type="datetimeFigureOut">
               <a:rPr lang="en-US" smtClean="0"/>
-              <a:t>4/26/2019</a:t>
+              <a:t>4/27/2019</a:t>
             </a:fld>
             <a:endParaRPr lang="en-US" dirty="0"/>
           </a:p>
@@ -688,7 +688,7 @@
           <a:p>
             <a:fld id="{48A87A34-81AB-432B-8DAE-1953F412C126}" type="datetimeFigureOut">
               <a:rPr lang="en-US" smtClean="0"/>
-              <a:t>4/26/2019</a:t>
+              <a:t>4/27/2019</a:t>
             </a:fld>
             <a:endParaRPr lang="en-US" dirty="0"/>
           </a:p>
@@ -889,7 +889,7 @@
           <a:p>
             <a:fld id="{48A87A34-81AB-432B-8DAE-1953F412C126}" type="datetimeFigureOut">
               <a:rPr lang="en-US" smtClean="0"/>
-              <a:t>4/26/2019</a:t>
+              <a:t>4/27/2019</a:t>
             </a:fld>
             <a:endParaRPr lang="en-US" dirty="0"/>
           </a:p>
@@ -1168,7 +1168,7 @@
           <a:p>
             <a:fld id="{48A87A34-81AB-432B-8DAE-1953F412C126}" type="datetimeFigureOut">
               <a:rPr lang="en-US" smtClean="0"/>
-              <a:t>4/26/2019</a:t>
+              <a:t>4/27/2019</a:t>
             </a:fld>
             <a:endParaRPr lang="en-US" dirty="0"/>
           </a:p>
@@ -1436,7 +1436,7 @@
           <a:p>
             <a:fld id="{48A87A34-81AB-432B-8DAE-1953F412C126}" type="datetimeFigureOut">
               <a:rPr lang="en-US" smtClean="0"/>
-              <a:t>4/26/2019</a:t>
+              <a:t>4/27/2019</a:t>
             </a:fld>
             <a:endParaRPr lang="en-US" dirty="0"/>
           </a:p>
@@ -1852,7 +1852,7 @@
           <a:p>
             <a:fld id="{48A87A34-81AB-432B-8DAE-1953F412C126}" type="datetimeFigureOut">
               <a:rPr lang="en-US" smtClean="0"/>
-              <a:t>4/26/2019</a:t>
+              <a:t>4/27/2019</a:t>
             </a:fld>
             <a:endParaRPr lang="en-US" dirty="0"/>
           </a:p>
@@ -2001,7 +2001,7 @@
           <a:p>
             <a:fld id="{48A87A34-81AB-432B-8DAE-1953F412C126}" type="datetimeFigureOut">
               <a:rPr lang="en-US" smtClean="0"/>
-              <a:t>4/26/2019</a:t>
+              <a:t>4/27/2019</a:t>
             </a:fld>
             <a:endParaRPr lang="en-US" dirty="0"/>
           </a:p>
@@ -2127,7 +2127,7 @@
           <a:p>
             <a:fld id="{48A87A34-81AB-432B-8DAE-1953F412C126}" type="datetimeFigureOut">
               <a:rPr lang="en-US" smtClean="0"/>
-              <a:t>4/26/2019</a:t>
+              <a:t>4/27/2019</a:t>
             </a:fld>
             <a:endParaRPr lang="en-US" dirty="0"/>
           </a:p>
@@ -2378,7 +2378,7 @@
           <a:p>
             <a:fld id="{48A87A34-81AB-432B-8DAE-1953F412C126}" type="datetimeFigureOut">
               <a:rPr lang="en-US" smtClean="0"/>
-              <a:t>4/26/2019</a:t>
+              <a:t>4/27/2019</a:t>
             </a:fld>
             <a:endParaRPr lang="en-US" dirty="0"/>
           </a:p>
@@ -2823,7 +2823,7 @@
           <a:p>
             <a:fld id="{48A87A34-81AB-432B-8DAE-1953F412C126}" type="datetimeFigureOut">
               <a:rPr lang="en-US" smtClean="0"/>
-              <a:t>4/26/2019</a:t>
+              <a:t>4/27/2019</a:t>
             </a:fld>
             <a:endParaRPr lang="en-US" dirty="0"/>
           </a:p>
@@ -3151,7 +3151,7 @@
             <a:fld id="{48A87A34-81AB-432B-8DAE-1953F412C126}" type="datetimeFigureOut">
               <a:rPr lang="en-US" smtClean="0"/>
               <a:pPr/>
-              <a:t>4/26/2019</a:t>
+              <a:t>4/27/2019</a:t>
             </a:fld>
             <a:endParaRPr lang="en-US" dirty="0"/>
           </a:p>
@@ -3654,7 +3654,12 @@
             <p:ph type="ctrTitle"/>
           </p:nvPr>
         </p:nvSpPr>
-        <p:spPr/>
+        <p:spPr>
+          <a:xfrm>
+            <a:off x="2417779" y="802298"/>
+            <a:ext cx="8637073" cy="2541431"/>
+          </a:xfrm>
+        </p:spPr>
         <p:txBody>
           <a:bodyPr>
             <a:normAutofit/>
@@ -3670,7 +3675,7 @@
             </a:br>
             <a:r>
               <a:rPr lang="en-IN" sz="8800" dirty="0"/>
-              <a:t>Azure CLI</a:t>
+              <a:t>    Azure CLI</a:t>
             </a:r>
             <a:endParaRPr lang="en-IN" dirty="0"/>
           </a:p>
@@ -3704,6 +3709,45 @@
           </a:p>
         </p:txBody>
       </p:sp>
+      <p:pic>
+        <p:nvPicPr>
+          <p:cNvPr id="4" name="Graphic 3">
+            <a:extLst>
+              <a:ext uri="{FF2B5EF4-FFF2-40B4-BE49-F238E27FC236}">
+                <a16:creationId xmlns:a16="http://schemas.microsoft.com/office/drawing/2014/main" id="{E29AA718-0DF7-4962-8B4F-EED74A0B1D8B}"/>
+              </a:ext>
+            </a:extLst>
+          </p:cNvPr>
+          <p:cNvPicPr>
+            <a:picLocks noChangeAspect="1"/>
+          </p:cNvPicPr>
+          <p:nvPr/>
+        </p:nvPicPr>
+        <p:blipFill>
+          <a:blip r:embed="rId2">
+            <a:extLst>
+              <a:ext uri="{28A0092B-C50C-407E-A947-70E740481C1C}">
+                <a14:useLocalDpi xmlns:a14="http://schemas.microsoft.com/office/drawing/2010/main" val="0"/>
+              </a:ext>
+              <a:ext uri="{96DAC541-7B7A-43D3-8B79-37D633B846F1}">
+                <asvg:svgBlip xmlns:asvg="http://schemas.microsoft.com/office/drawing/2016/SVG/main" r:embed="rId3"/>
+              </a:ext>
+            </a:extLst>
+          </a:blip>
+          <a:stretch>
+            <a:fillRect/>
+          </a:stretch>
+        </p:blipFill>
+        <p:spPr>
+          <a:xfrm>
+            <a:off x="2480123" y="2225444"/>
+            <a:ext cx="893865" cy="893865"/>
+          </a:xfrm>
+          <a:prstGeom prst="rect">
+            <a:avLst/>
+          </a:prstGeom>
+        </p:spPr>
+      </p:pic>
     </p:spTree>
     <p:extLst>
       <p:ext uri="{BB962C8B-B14F-4D97-AF65-F5344CB8AC3E}">

--- a/GAB2019-BLR/Az-TipsAndTricks.pptx
+++ b/GAB2019-BLR/Az-TipsAndTricks.pptx
@@ -7,15 +7,16 @@
   <p:sldIdLst>
     <p:sldId id="256" r:id="rId2"/>
     <p:sldId id="257" r:id="rId3"/>
-    <p:sldId id="260" r:id="rId4"/>
-    <p:sldId id="258" r:id="rId5"/>
-    <p:sldId id="261" r:id="rId6"/>
-    <p:sldId id="262" r:id="rId7"/>
-    <p:sldId id="263" r:id="rId8"/>
-    <p:sldId id="264" r:id="rId9"/>
-    <p:sldId id="265" r:id="rId10"/>
-    <p:sldId id="266" r:id="rId11"/>
-    <p:sldId id="267" r:id="rId12"/>
+    <p:sldId id="268" r:id="rId4"/>
+    <p:sldId id="260" r:id="rId5"/>
+    <p:sldId id="258" r:id="rId6"/>
+    <p:sldId id="261" r:id="rId7"/>
+    <p:sldId id="262" r:id="rId8"/>
+    <p:sldId id="263" r:id="rId9"/>
+    <p:sldId id="264" r:id="rId10"/>
+    <p:sldId id="265" r:id="rId11"/>
+    <p:sldId id="266" r:id="rId12"/>
+    <p:sldId id="267" r:id="rId13"/>
   </p:sldIdLst>
   <p:sldSz cx="12192000" cy="6858000"/>
   <p:notesSz cx="6858000" cy="9144000"/>
@@ -3783,6 +3784,92 @@
           <p:cNvPr id="2" name="Title 1">
             <a:extLst>
               <a:ext uri="{FF2B5EF4-FFF2-40B4-BE49-F238E27FC236}">
+                <a16:creationId xmlns:a16="http://schemas.microsoft.com/office/drawing/2014/main" id="{4DCA887E-FACE-496B-B9E6-484CC5EBD802}"/>
+              </a:ext>
+            </a:extLst>
+          </p:cNvPr>
+          <p:cNvSpPr>
+            <a:spLocks noGrp="1"/>
+          </p:cNvSpPr>
+          <p:nvPr>
+            <p:ph type="title"/>
+          </p:nvPr>
+        </p:nvSpPr>
+        <p:spPr/>
+        <p:txBody>
+          <a:bodyPr/>
+          <a:lstStyle/>
+          <a:p>
+            <a:r>
+              <a:rPr lang="en-IN" dirty="0"/>
+              <a:t>DEMO</a:t>
+            </a:r>
+          </a:p>
+        </p:txBody>
+      </p:sp>
+      <p:sp>
+        <p:nvSpPr>
+          <p:cNvPr id="3" name="Text Placeholder 2">
+            <a:extLst>
+              <a:ext uri="{FF2B5EF4-FFF2-40B4-BE49-F238E27FC236}">
+                <a16:creationId xmlns:a16="http://schemas.microsoft.com/office/drawing/2014/main" id="{983000EE-D7CE-4244-91A0-AF13BB930CA9}"/>
+              </a:ext>
+            </a:extLst>
+          </p:cNvPr>
+          <p:cNvSpPr>
+            <a:spLocks noGrp="1"/>
+          </p:cNvSpPr>
+          <p:nvPr>
+            <p:ph type="body" idx="1"/>
+          </p:nvPr>
+        </p:nvSpPr>
+        <p:spPr/>
+        <p:txBody>
+          <a:bodyPr/>
+          <a:lstStyle/>
+          <a:p>
+            <a:r>
+              <a:rPr lang="en-IN" dirty="0"/>
+              <a:t>Azure Resource Graph with Azure CLI 2.0</a:t>
+            </a:r>
+          </a:p>
+        </p:txBody>
+      </p:sp>
+    </p:spTree>
+    <p:extLst>
+      <p:ext uri="{BB962C8B-B14F-4D97-AF65-F5344CB8AC3E}">
+        <p14:creationId xmlns:p14="http://schemas.microsoft.com/office/powerpoint/2010/main" val="2917585169"/>
+      </p:ext>
+    </p:extLst>
+  </p:cSld>
+  <p:clrMapOvr>
+    <a:masterClrMapping/>
+  </p:clrMapOvr>
+</p:sld>
+</file>
+
+<file path=ppt/slides/slide11.xml><?xml version="1.0" encoding="utf-8"?>
+<p:sld xmlns:a="http://schemas.openxmlformats.org/drawingml/2006/main" xmlns:r="http://schemas.openxmlformats.org/officeDocument/2006/relationships" xmlns:p="http://schemas.openxmlformats.org/presentationml/2006/main">
+  <p:cSld>
+    <p:spTree>
+      <p:nvGrpSpPr>
+        <p:cNvPr id="1" name=""/>
+        <p:cNvGrpSpPr/>
+        <p:nvPr/>
+      </p:nvGrpSpPr>
+      <p:grpSpPr>
+        <a:xfrm>
+          <a:off x="0" y="0"/>
+          <a:ext cx="0" cy="0"/>
+          <a:chOff x="0" y="0"/>
+          <a:chExt cx="0" cy="0"/>
+        </a:xfrm>
+      </p:grpSpPr>
+      <p:sp>
+        <p:nvSpPr>
+          <p:cNvPr id="2" name="Title 1">
+            <a:extLst>
+              <a:ext uri="{FF2B5EF4-FFF2-40B4-BE49-F238E27FC236}">
                 <a16:creationId xmlns:a16="http://schemas.microsoft.com/office/drawing/2014/main" id="{4F7659E4-A31B-4AD6-AC08-A03ACB95707A}"/>
               </a:ext>
             </a:extLst>
@@ -3859,7 +3946,7 @@
 </p:sld>
 </file>
 
-<file path=ppt/slides/slide11.xml><?xml version="1.0" encoding="utf-8"?>
+<file path=ppt/slides/slide12.xml><?xml version="1.0" encoding="utf-8"?>
 <p:sld xmlns:a="http://schemas.openxmlformats.org/drawingml/2006/main" xmlns:r="http://schemas.openxmlformats.org/officeDocument/2006/relationships" xmlns:p="http://schemas.openxmlformats.org/presentationml/2006/main">
   <p:cSld>
     <p:spTree>
@@ -4087,6 +4174,168 @@
 </file>
 
 <file path=ppt/slides/slide3.xml><?xml version="1.0" encoding="utf-8"?>
+<p:sld xmlns:a="http://schemas.openxmlformats.org/drawingml/2006/main" xmlns:r="http://schemas.openxmlformats.org/officeDocument/2006/relationships" xmlns:p="http://schemas.openxmlformats.org/presentationml/2006/main">
+  <p:cSld>
+    <p:spTree>
+      <p:nvGrpSpPr>
+        <p:cNvPr id="1" name=""/>
+        <p:cNvGrpSpPr/>
+        <p:nvPr/>
+      </p:nvGrpSpPr>
+      <p:grpSpPr>
+        <a:xfrm>
+          <a:off x="0" y="0"/>
+          <a:ext cx="0" cy="0"/>
+          <a:chOff x="0" y="0"/>
+          <a:chExt cx="0" cy="0"/>
+        </a:xfrm>
+      </p:grpSpPr>
+      <p:sp>
+        <p:nvSpPr>
+          <p:cNvPr id="2" name="Rectangle 1">
+            <a:extLst>
+              <a:ext uri="{FF2B5EF4-FFF2-40B4-BE49-F238E27FC236}">
+                <a16:creationId xmlns:a16="http://schemas.microsoft.com/office/drawing/2014/main" id="{B528E676-EAAF-46A8-BA2A-1DA36593A61C}"/>
+              </a:ext>
+              <a:ext uri="{C183D7F6-B498-43B3-948B-1728B52AA6E4}">
+                <adec:decorative xmlns:adec="http://schemas.microsoft.com/office/drawing/2017/decorative" val="1"/>
+              </a:ext>
+            </a:extLst>
+          </p:cNvPr>
+          <p:cNvSpPr>
+            <a:spLocks noGrp="1" noRot="1" noChangeAspect="1" noMove="1" noResize="1" noEditPoints="1" noAdjustHandles="1" noChangeArrowheads="1" noChangeShapeType="1" noTextEdit="1"/>
+          </p:cNvSpPr>
+          <p:nvPr>
+            <p:extLst>
+              <p:ext uri="{386F3935-93C4-4BCD-93E2-E3B085C9AB24}">
+                <p16:designElem xmlns:p16="http://schemas.microsoft.com/office/powerpoint/2015/main" val="1"/>
+              </p:ext>
+            </p:extLst>
+          </p:nvPr>
+        </p:nvSpPr>
+        <p:spPr>
+          <a:xfrm>
+            <a:off x="0" y="0"/>
+            <a:ext cx="12192000" cy="6858000"/>
+          </a:xfrm>
+          <a:prstGeom prst="rect">
+            <a:avLst/>
+          </a:prstGeom>
+          <a:solidFill>
+            <a:schemeClr val="tx1">
+              <a:lumMod val="50000"/>
+              <a:lumOff val="50000"/>
+              <a:alpha val="30000"/>
+            </a:schemeClr>
+          </a:solidFill>
+          <a:ln>
+            <a:noFill/>
+          </a:ln>
+        </p:spPr>
+        <p:style>
+          <a:lnRef idx="2">
+            <a:schemeClr val="accent1">
+              <a:shade val="50000"/>
+            </a:schemeClr>
+          </a:lnRef>
+          <a:fillRef idx="1">
+            <a:schemeClr val="accent1"/>
+          </a:fillRef>
+          <a:effectRef idx="0">
+            <a:schemeClr val="accent1"/>
+          </a:effectRef>
+          <a:fontRef idx="minor">
+            <a:schemeClr val="lt1"/>
+          </a:fontRef>
+        </p:style>
+        <p:txBody>
+          <a:bodyPr rtlCol="0" anchor="ctr"/>
+          <a:lstStyle/>
+          <a:p>
+            <a:pPr algn="ctr"/>
+            <a:endParaRPr lang="en-US"/>
+          </a:p>
+        </p:txBody>
+      </p:sp>
+      <p:pic>
+        <p:nvPicPr>
+          <p:cNvPr id="11" name="Picture 10" descr="A close up of text on a black background&#10;&#10;Description generated with very high confidence">
+            <a:extLst>
+              <a:ext uri="{FF2B5EF4-FFF2-40B4-BE49-F238E27FC236}">
+                <a16:creationId xmlns:a16="http://schemas.microsoft.com/office/drawing/2014/main" id="{2B3922B3-9E22-4D46-942A-F1BCF6296071}"/>
+              </a:ext>
+            </a:extLst>
+          </p:cNvPr>
+          <p:cNvPicPr>
+            <a:picLocks noChangeAspect="1"/>
+          </p:cNvPicPr>
+          <p:nvPr/>
+        </p:nvPicPr>
+        <p:blipFill rotWithShape="1">
+          <a:blip r:embed="rId2">
+            <a:extLst>
+              <a:ext uri="{28A0092B-C50C-407E-A947-70E740481C1C}">
+                <a14:useLocalDpi xmlns:a14="http://schemas.microsoft.com/office/drawing/2010/main" val="0"/>
+              </a:ext>
+            </a:extLst>
+          </a:blip>
+          <a:srcRect l="3556" r="4367" b="2"/>
+          <a:stretch/>
+        </p:blipFill>
+        <p:spPr>
+          <a:xfrm>
+            <a:off x="769947" y="301177"/>
+            <a:ext cx="5129774" cy="5571066"/>
+          </a:xfrm>
+          <a:prstGeom prst="rect">
+            <a:avLst/>
+          </a:prstGeom>
+        </p:spPr>
+      </p:pic>
+      <p:pic>
+        <p:nvPicPr>
+          <p:cNvPr id="12" name="Picture 11" descr="A screenshot of a cell phone&#10;&#10;Description generated with very high confidence">
+            <a:extLst>
+              <a:ext uri="{FF2B5EF4-FFF2-40B4-BE49-F238E27FC236}">
+                <a16:creationId xmlns:a16="http://schemas.microsoft.com/office/drawing/2014/main" id="{0C3E4654-32C6-43CF-9980-BC0D4C133AD3}"/>
+              </a:ext>
+            </a:extLst>
+          </p:cNvPr>
+          <p:cNvPicPr>
+            <a:picLocks noChangeAspect="1"/>
+          </p:cNvPicPr>
+          <p:nvPr/>
+        </p:nvPicPr>
+        <p:blipFill>
+          <a:blip r:embed="rId3"/>
+          <a:stretch>
+            <a:fillRect/>
+          </a:stretch>
+        </p:blipFill>
+        <p:spPr>
+          <a:xfrm>
+            <a:off x="6297826" y="343336"/>
+            <a:ext cx="5294715" cy="5486750"/>
+          </a:xfrm>
+          <a:prstGeom prst="rect">
+            <a:avLst/>
+          </a:prstGeom>
+        </p:spPr>
+      </p:pic>
+    </p:spTree>
+    <p:extLst>
+      <p:ext uri="{BB962C8B-B14F-4D97-AF65-F5344CB8AC3E}">
+        <p14:creationId xmlns:p14="http://schemas.microsoft.com/office/powerpoint/2010/main" val="785674519"/>
+      </p:ext>
+    </p:extLst>
+  </p:cSld>
+  <p:clrMapOvr>
+    <a:masterClrMapping/>
+  </p:clrMapOvr>
+</p:sld>
+</file>
+
+<file path=ppt/slides/slide4.xml><?xml version="1.0" encoding="utf-8"?>
 <p:sld xmlns:a="http://schemas.openxmlformats.org/drawingml/2006/main" xmlns:r="http://schemas.openxmlformats.org/officeDocument/2006/relationships" xmlns:p="http://schemas.openxmlformats.org/presentationml/2006/main">
   <p:cSld>
     <p:spTree>
@@ -4322,162 +4571,6 @@
 </p:sld>
 </file>
 
-<file path=ppt/slides/slide4.xml><?xml version="1.0" encoding="utf-8"?>
-<p:sld xmlns:a="http://schemas.openxmlformats.org/drawingml/2006/main" xmlns:r="http://schemas.openxmlformats.org/officeDocument/2006/relationships" xmlns:p="http://schemas.openxmlformats.org/presentationml/2006/main">
-  <p:cSld>
-    <p:spTree>
-      <p:nvGrpSpPr>
-        <p:cNvPr id="1" name=""/>
-        <p:cNvGrpSpPr/>
-        <p:nvPr/>
-      </p:nvGrpSpPr>
-      <p:grpSpPr>
-        <a:xfrm>
-          <a:off x="0" y="0"/>
-          <a:ext cx="0" cy="0"/>
-          <a:chOff x="0" y="0"/>
-          <a:chExt cx="0" cy="0"/>
-        </a:xfrm>
-      </p:grpSpPr>
-      <p:sp>
-        <p:nvSpPr>
-          <p:cNvPr id="2" name="Title 1">
-            <a:extLst>
-              <a:ext uri="{FF2B5EF4-FFF2-40B4-BE49-F238E27FC236}">
-                <a16:creationId xmlns:a16="http://schemas.microsoft.com/office/drawing/2014/main" id="{4B5135A5-C60E-4C8E-8955-F261A08B61AB}"/>
-              </a:ext>
-            </a:extLst>
-          </p:cNvPr>
-          <p:cNvSpPr>
-            <a:spLocks noGrp="1"/>
-          </p:cNvSpPr>
-          <p:nvPr>
-            <p:ph type="title"/>
-          </p:nvPr>
-        </p:nvSpPr>
-        <p:spPr/>
-        <p:txBody>
-          <a:bodyPr/>
-          <a:lstStyle/>
-          <a:p>
-            <a:r>
-              <a:rPr lang="en-IN" dirty="0"/>
-              <a:t>Azure CLI</a:t>
-            </a:r>
-          </a:p>
-        </p:txBody>
-      </p:sp>
-      <p:sp>
-        <p:nvSpPr>
-          <p:cNvPr id="3" name="Content Placeholder 2">
-            <a:extLst>
-              <a:ext uri="{FF2B5EF4-FFF2-40B4-BE49-F238E27FC236}">
-                <a16:creationId xmlns:a16="http://schemas.microsoft.com/office/drawing/2014/main" id="{755521AA-2BC4-42A5-A66C-3F24E946E210}"/>
-              </a:ext>
-            </a:extLst>
-          </p:cNvPr>
-          <p:cNvSpPr>
-            <a:spLocks noGrp="1"/>
-          </p:cNvSpPr>
-          <p:nvPr>
-            <p:ph idx="1"/>
-          </p:nvPr>
-        </p:nvSpPr>
-        <p:spPr/>
-        <p:txBody>
-          <a:bodyPr/>
-          <a:lstStyle/>
-          <a:p>
-            <a:r>
-              <a:rPr lang="en-IN" dirty="0"/>
-              <a:t>Open Source; </a:t>
-            </a:r>
-            <a:r>
-              <a:rPr lang="en-IN" dirty="0">
-                <a:hlinkClick r:id="rId2"/>
-              </a:rPr>
-              <a:t>https://github.com/Azure/azure-cli</a:t>
-            </a:r>
-            <a:endParaRPr lang="en-IN" dirty="0"/>
-          </a:p>
-          <a:p>
-            <a:pPr lvl="1"/>
-            <a:r>
-              <a:rPr lang="en-IN" dirty="0"/>
-              <a:t>Written in Python</a:t>
-            </a:r>
-          </a:p>
-          <a:p>
-            <a:pPr lvl="1"/>
-            <a:r>
-              <a:rPr lang="en-IN" dirty="0"/>
-              <a:t>Current version is 2.0.63</a:t>
-            </a:r>
-          </a:p>
-          <a:p>
-            <a:pPr lvl="1"/>
-            <a:r>
-              <a:rPr lang="en-IN" dirty="0"/>
-              <a:t>Usage: </a:t>
-            </a:r>
-            <a:r>
-              <a:rPr lang="en-US" sz="1000" dirty="0">
-                <a:solidFill>
-                  <a:schemeClr val="accent1"/>
-                </a:solidFill>
-                <a:latin typeface="Consolas" panose="020B0609020204030204" pitchFamily="49" charset="0"/>
-              </a:rPr>
-              <a:t>az [group] [subgroup] [command] {parameters}</a:t>
-            </a:r>
-            <a:endParaRPr lang="en-IN" sz="1000" dirty="0">
-              <a:solidFill>
-                <a:schemeClr val="accent1"/>
-              </a:solidFill>
-              <a:latin typeface="Consolas" panose="020B0609020204030204" pitchFamily="49" charset="0"/>
-            </a:endParaRPr>
-          </a:p>
-          <a:p>
-            <a:r>
-              <a:rPr lang="en-US" dirty="0"/>
-              <a:t>Supports interactive execution</a:t>
-            </a:r>
-          </a:p>
-          <a:p>
-            <a:r>
-              <a:rPr lang="en-US" dirty="0"/>
-              <a:t>Supports </a:t>
-            </a:r>
-            <a:r>
-              <a:rPr lang="en-US" dirty="0" err="1"/>
-              <a:t>JMESPath</a:t>
-            </a:r>
-            <a:r>
-              <a:rPr lang="en-US" dirty="0"/>
-              <a:t> for queries</a:t>
-            </a:r>
-          </a:p>
-          <a:p>
-            <a:r>
-              <a:rPr lang="en-US" dirty="0"/>
-              <a:t>Supports extensions</a:t>
-            </a:r>
-            <a:endParaRPr lang="en-IN" dirty="0"/>
-          </a:p>
-        </p:txBody>
-      </p:sp>
-    </p:spTree>
-    <p:extLst>
-      <p:ext uri="{BB962C8B-B14F-4D97-AF65-F5344CB8AC3E}">
-        <p14:creationId xmlns:p14="http://schemas.microsoft.com/office/powerpoint/2010/main" val="789701501"/>
-      </p:ext>
-    </p:extLst>
-  </p:cSld>
-  <p:clrMapOvr>
-    <a:masterClrMapping/>
-  </p:clrMapOvr>
-</p:sld>
-</file>
-
 <file path=ppt/slides/slide5.xml><?xml version="1.0" encoding="utf-8"?>
 <p:sld xmlns:a="http://schemas.openxmlformats.org/drawingml/2006/main" xmlns:r="http://schemas.openxmlformats.org/officeDocument/2006/relationships" xmlns:p="http://schemas.openxmlformats.org/presentationml/2006/main">
   <p:cSld>
@@ -4500,7 +4593,7 @@
           <p:cNvPr id="2" name="Title 1">
             <a:extLst>
               <a:ext uri="{FF2B5EF4-FFF2-40B4-BE49-F238E27FC236}">
-                <a16:creationId xmlns:a16="http://schemas.microsoft.com/office/drawing/2014/main" id="{4DCA887E-FACE-496B-B9E6-484CC5EBD802}"/>
+                <a16:creationId xmlns:a16="http://schemas.microsoft.com/office/drawing/2014/main" id="{4B5135A5-C60E-4C8E-8955-F261A08B61AB}"/>
               </a:ext>
             </a:extLst>
           </p:cNvPr>
@@ -4518,17 +4611,17 @@
           <a:p>
             <a:r>
               <a:rPr lang="en-IN" dirty="0"/>
-              <a:t>DEMO</a:t>
-            </a:r>
-          </a:p>
-        </p:txBody>
-      </p:sp>
-      <p:sp>
-        <p:nvSpPr>
-          <p:cNvPr id="3" name="Text Placeholder 2">
+              <a:t>Azure CLI</a:t>
+            </a:r>
+          </a:p>
+        </p:txBody>
+      </p:sp>
+      <p:sp>
+        <p:nvSpPr>
+          <p:cNvPr id="3" name="Content Placeholder 2">
             <a:extLst>
               <a:ext uri="{FF2B5EF4-FFF2-40B4-BE49-F238E27FC236}">
-                <a16:creationId xmlns:a16="http://schemas.microsoft.com/office/drawing/2014/main" id="{983000EE-D7CE-4244-91A0-AF13BB930CA9}"/>
+                <a16:creationId xmlns:a16="http://schemas.microsoft.com/office/drawing/2014/main" id="{755521AA-2BC4-42A5-A66C-3F24E946E210}"/>
               </a:ext>
             </a:extLst>
           </p:cNvPr>
@@ -4536,7 +4629,7 @@
             <a:spLocks noGrp="1"/>
           </p:cNvSpPr>
           <p:nvPr>
-            <p:ph type="body" idx="1"/>
+            <p:ph idx="1"/>
           </p:nvPr>
         </p:nvSpPr>
         <p:spPr/>
@@ -4546,15 +4639,85 @@
           <a:p>
             <a:r>
               <a:rPr lang="en-IN" dirty="0"/>
-              <a:t>Getting Started with Azure CLI 2.0</a:t>
-            </a:r>
+              <a:t>Open Source; </a:t>
+            </a:r>
+            <a:r>
+              <a:rPr lang="en-IN" dirty="0">
+                <a:hlinkClick r:id="rId2"/>
+              </a:rPr>
+              <a:t>https://github.com/Azure/azure-cli</a:t>
+            </a:r>
+            <a:endParaRPr lang="en-IN" dirty="0"/>
+          </a:p>
+          <a:p>
+            <a:pPr lvl="1"/>
+            <a:r>
+              <a:rPr lang="en-IN" dirty="0"/>
+              <a:t>Written in Python</a:t>
+            </a:r>
+          </a:p>
+          <a:p>
+            <a:pPr lvl="1"/>
+            <a:r>
+              <a:rPr lang="en-IN" dirty="0"/>
+              <a:t>Current version is 2.0.63</a:t>
+            </a:r>
+          </a:p>
+          <a:p>
+            <a:pPr lvl="1"/>
+            <a:r>
+              <a:rPr lang="en-IN" dirty="0"/>
+              <a:t>Usage: </a:t>
+            </a:r>
+            <a:r>
+              <a:rPr lang="en-US" sz="1000" dirty="0">
+                <a:solidFill>
+                  <a:schemeClr val="accent1"/>
+                </a:solidFill>
+                <a:latin typeface="Consolas" panose="020B0609020204030204" pitchFamily="49" charset="0"/>
+              </a:rPr>
+              <a:t>az [group] [subgroup] [command] {parameters}</a:t>
+            </a:r>
+            <a:endParaRPr lang="en-IN" sz="1000" dirty="0">
+              <a:solidFill>
+                <a:schemeClr val="accent1"/>
+              </a:solidFill>
+              <a:latin typeface="Consolas" panose="020B0609020204030204" pitchFamily="49" charset="0"/>
+            </a:endParaRPr>
+          </a:p>
+          <a:p>
+            <a:r>
+              <a:rPr lang="en-US" dirty="0"/>
+              <a:t>Supports interactive execution</a:t>
+            </a:r>
+          </a:p>
+          <a:p>
+            <a:r>
+              <a:rPr lang="en-US" dirty="0"/>
+              <a:t>Supports </a:t>
+            </a:r>
+            <a:r>
+              <a:rPr lang="en-US" dirty="0" err="1"/>
+              <a:t>JMESPath</a:t>
+            </a:r>
+            <a:r>
+              <a:rPr lang="en-US" dirty="0"/>
+              <a:t> for queries</a:t>
+            </a:r>
+          </a:p>
+          <a:p>
+            <a:r>
+              <a:rPr lang="en-US" dirty="0"/>
+              <a:t>Supports extensions</a:t>
+            </a:r>
+            <a:endParaRPr lang="en-IN" dirty="0"/>
           </a:p>
         </p:txBody>
       </p:sp>
     </p:spTree>
     <p:extLst>
       <p:ext uri="{BB962C8B-B14F-4D97-AF65-F5344CB8AC3E}">
-        <p14:creationId xmlns:p14="http://schemas.microsoft.com/office/powerpoint/2010/main" val="3245164234"/>
+        <p14:creationId xmlns:p14="http://schemas.microsoft.com/office/powerpoint/2010/main" val="789701501"/>
       </p:ext>
     </p:extLst>
   </p:cSld>
@@ -4586,7 +4749,7 @@
           <p:cNvPr id="2" name="Title 1">
             <a:extLst>
               <a:ext uri="{FF2B5EF4-FFF2-40B4-BE49-F238E27FC236}">
-                <a16:creationId xmlns:a16="http://schemas.microsoft.com/office/drawing/2014/main" id="{A1539291-9100-4669-96E1-F95E2DD94E75}"/>
+                <a16:creationId xmlns:a16="http://schemas.microsoft.com/office/drawing/2014/main" id="{4DCA887E-FACE-496B-B9E6-484CC5EBD802}"/>
               </a:ext>
             </a:extLst>
           </p:cNvPr>
@@ -4603,19 +4766,18 @@
           <a:lstStyle/>
           <a:p>
             <a:r>
-              <a:rPr lang="en-US" dirty="0"/>
-              <a:t>Azure CLI Queries</a:t>
-            </a:r>
-            <a:endParaRPr lang="en-IN" dirty="0"/>
-          </a:p>
-        </p:txBody>
-      </p:sp>
-      <p:sp>
-        <p:nvSpPr>
-          <p:cNvPr id="3" name="Content Placeholder 2">
+              <a:rPr lang="en-IN" dirty="0"/>
+              <a:t>DEMO</a:t>
+            </a:r>
+          </a:p>
+        </p:txBody>
+      </p:sp>
+      <p:sp>
+        <p:nvSpPr>
+          <p:cNvPr id="3" name="Text Placeholder 2">
             <a:extLst>
               <a:ext uri="{FF2B5EF4-FFF2-40B4-BE49-F238E27FC236}">
-                <a16:creationId xmlns:a16="http://schemas.microsoft.com/office/drawing/2014/main" id="{DAD62638-7DA8-41FD-BB0C-F315122CB235}"/>
+                <a16:creationId xmlns:a16="http://schemas.microsoft.com/office/drawing/2014/main" id="{983000EE-D7CE-4244-91A0-AF13BB930CA9}"/>
               </a:ext>
             </a:extLst>
           </p:cNvPr>
@@ -4623,7 +4785,7 @@
             <a:spLocks noGrp="1"/>
           </p:cNvSpPr>
           <p:nvPr>
-            <p:ph idx="1"/>
+            <p:ph type="body" idx="1"/>
           </p:nvPr>
         </p:nvSpPr>
         <p:spPr/>
@@ -4633,53 +4795,7 @@
           <a:p>
             <a:r>
               <a:rPr lang="en-IN" dirty="0"/>
-              <a:t>Parsing command output is not fun!</a:t>
-            </a:r>
-          </a:p>
-          <a:p>
-            <a:pPr lvl="1"/>
-            <a:r>
-              <a:rPr lang="en-IN" dirty="0"/>
-              <a:t>Azure CLI defaults to JSON output; support table, csv, and </a:t>
-            </a:r>
-            <a:r>
-              <a:rPr lang="en-IN" dirty="0" err="1"/>
-              <a:t>tsv</a:t>
-            </a:r>
-            <a:endParaRPr lang="en-IN" dirty="0"/>
-          </a:p>
-          <a:p>
-            <a:r>
-              <a:rPr lang="en-IN" dirty="0"/>
-              <a:t>Command output can be converted to objects in PowerShell</a:t>
-            </a:r>
-          </a:p>
-          <a:p>
-            <a:r>
-              <a:rPr lang="en-IN" dirty="0"/>
-              <a:t>But, there is a better way!</a:t>
-            </a:r>
-          </a:p>
-          <a:p>
-            <a:pPr lvl="1"/>
-            <a:r>
-              <a:rPr lang="en-IN" dirty="0"/>
-              <a:t>Use the –query global switch</a:t>
-            </a:r>
-          </a:p>
-          <a:p>
-            <a:pPr lvl="1"/>
-            <a:r>
-              <a:rPr lang="en-IN" dirty="0"/>
-              <a:t>Uses </a:t>
-            </a:r>
-            <a:r>
-              <a:rPr lang="en-IN" dirty="0" err="1"/>
-              <a:t>JEMSPath</a:t>
-            </a:r>
-            <a:r>
-              <a:rPr lang="en-IN" dirty="0"/>
-              <a:t> query specification</a:t>
+              <a:t>Getting Started with Azure CLI 2.0</a:t>
             </a:r>
           </a:p>
         </p:txBody>
@@ -4687,7 +4803,7 @@
     </p:spTree>
     <p:extLst>
       <p:ext uri="{BB962C8B-B14F-4D97-AF65-F5344CB8AC3E}">
-        <p14:creationId xmlns:p14="http://schemas.microsoft.com/office/powerpoint/2010/main" val="1477819046"/>
+        <p14:creationId xmlns:p14="http://schemas.microsoft.com/office/powerpoint/2010/main" val="3245164234"/>
       </p:ext>
     </p:extLst>
   </p:cSld>
@@ -4719,7 +4835,7 @@
           <p:cNvPr id="2" name="Title 1">
             <a:extLst>
               <a:ext uri="{FF2B5EF4-FFF2-40B4-BE49-F238E27FC236}">
-                <a16:creationId xmlns:a16="http://schemas.microsoft.com/office/drawing/2014/main" id="{4DCA887E-FACE-496B-B9E6-484CC5EBD802}"/>
+                <a16:creationId xmlns:a16="http://schemas.microsoft.com/office/drawing/2014/main" id="{A1539291-9100-4669-96E1-F95E2DD94E75}"/>
               </a:ext>
             </a:extLst>
           </p:cNvPr>
@@ -4736,18 +4852,19 @@
           <a:lstStyle/>
           <a:p>
             <a:r>
-              <a:rPr lang="en-IN" dirty="0"/>
-              <a:t>DEMO</a:t>
-            </a:r>
-          </a:p>
-        </p:txBody>
-      </p:sp>
-      <p:sp>
-        <p:nvSpPr>
-          <p:cNvPr id="3" name="Text Placeholder 2">
+              <a:rPr lang="en-US" dirty="0"/>
+              <a:t>Azure CLI Queries</a:t>
+            </a:r>
+            <a:endParaRPr lang="en-IN" dirty="0"/>
+          </a:p>
+        </p:txBody>
+      </p:sp>
+      <p:sp>
+        <p:nvSpPr>
+          <p:cNvPr id="3" name="Content Placeholder 2">
             <a:extLst>
               <a:ext uri="{FF2B5EF4-FFF2-40B4-BE49-F238E27FC236}">
-                <a16:creationId xmlns:a16="http://schemas.microsoft.com/office/drawing/2014/main" id="{983000EE-D7CE-4244-91A0-AF13BB930CA9}"/>
+                <a16:creationId xmlns:a16="http://schemas.microsoft.com/office/drawing/2014/main" id="{DAD62638-7DA8-41FD-BB0C-F315122CB235}"/>
               </a:ext>
             </a:extLst>
           </p:cNvPr>
@@ -4755,7 +4872,7 @@
             <a:spLocks noGrp="1"/>
           </p:cNvSpPr>
           <p:nvPr>
-            <p:ph type="body" idx="1"/>
+            <p:ph idx="1"/>
           </p:nvPr>
         </p:nvSpPr>
         <p:spPr/>
@@ -4765,7 +4882,53 @@
           <a:p>
             <a:r>
               <a:rPr lang="en-IN" dirty="0"/>
-              <a:t>Azure CLI 2.0 Queries</a:t>
+              <a:t>Parsing command output is not fun!</a:t>
+            </a:r>
+          </a:p>
+          <a:p>
+            <a:pPr lvl="1"/>
+            <a:r>
+              <a:rPr lang="en-IN" dirty="0"/>
+              <a:t>Azure CLI defaults to JSON output; support table, csv, and </a:t>
+            </a:r>
+            <a:r>
+              <a:rPr lang="en-IN" dirty="0" err="1"/>
+              <a:t>tsv</a:t>
+            </a:r>
+            <a:endParaRPr lang="en-IN" dirty="0"/>
+          </a:p>
+          <a:p>
+            <a:r>
+              <a:rPr lang="en-IN" dirty="0"/>
+              <a:t>Command output can be converted to objects in PowerShell</a:t>
+            </a:r>
+          </a:p>
+          <a:p>
+            <a:r>
+              <a:rPr lang="en-IN" dirty="0"/>
+              <a:t>But, there is a better way!</a:t>
+            </a:r>
+          </a:p>
+          <a:p>
+            <a:pPr lvl="1"/>
+            <a:r>
+              <a:rPr lang="en-IN" dirty="0"/>
+              <a:t>Use the –query global switch</a:t>
+            </a:r>
+          </a:p>
+          <a:p>
+            <a:pPr lvl="1"/>
+            <a:r>
+              <a:rPr lang="en-IN" dirty="0"/>
+              <a:t>Uses </a:t>
+            </a:r>
+            <a:r>
+              <a:rPr lang="en-IN" dirty="0" err="1"/>
+              <a:t>JEMSPath</a:t>
+            </a:r>
+            <a:r>
+              <a:rPr lang="en-IN" dirty="0"/>
+              <a:t> query specification</a:t>
             </a:r>
           </a:p>
         </p:txBody>
@@ -4773,7 +4936,7 @@
     </p:spTree>
     <p:extLst>
       <p:ext uri="{BB962C8B-B14F-4D97-AF65-F5344CB8AC3E}">
-        <p14:creationId xmlns:p14="http://schemas.microsoft.com/office/powerpoint/2010/main" val="4150392469"/>
+        <p14:creationId xmlns:p14="http://schemas.microsoft.com/office/powerpoint/2010/main" val="1477819046"/>
       </p:ext>
     </p:extLst>
   </p:cSld>
@@ -4805,7 +4968,7 @@
           <p:cNvPr id="2" name="Title 1">
             <a:extLst>
               <a:ext uri="{FF2B5EF4-FFF2-40B4-BE49-F238E27FC236}">
-                <a16:creationId xmlns:a16="http://schemas.microsoft.com/office/drawing/2014/main" id="{A1539291-9100-4669-96E1-F95E2DD94E75}"/>
+                <a16:creationId xmlns:a16="http://schemas.microsoft.com/office/drawing/2014/main" id="{4DCA887E-FACE-496B-B9E6-484CC5EBD802}"/>
               </a:ext>
             </a:extLst>
           </p:cNvPr>
@@ -4822,19 +4985,18 @@
           <a:lstStyle/>
           <a:p>
             <a:r>
-              <a:rPr lang="en-US" dirty="0"/>
-              <a:t>Azure RESOURCE Queries</a:t>
-            </a:r>
-            <a:endParaRPr lang="en-IN" dirty="0"/>
-          </a:p>
-        </p:txBody>
-      </p:sp>
-      <p:sp>
-        <p:nvSpPr>
-          <p:cNvPr id="3" name="Content Placeholder 2">
+              <a:rPr lang="en-IN" dirty="0"/>
+              <a:t>DEMO</a:t>
+            </a:r>
+          </a:p>
+        </p:txBody>
+      </p:sp>
+      <p:sp>
+        <p:nvSpPr>
+          <p:cNvPr id="3" name="Text Placeholder 2">
             <a:extLst>
               <a:ext uri="{FF2B5EF4-FFF2-40B4-BE49-F238E27FC236}">
-                <a16:creationId xmlns:a16="http://schemas.microsoft.com/office/drawing/2014/main" id="{DAD62638-7DA8-41FD-BB0C-F315122CB235}"/>
+                <a16:creationId xmlns:a16="http://schemas.microsoft.com/office/drawing/2014/main" id="{983000EE-D7CE-4244-91A0-AF13BB930CA9}"/>
               </a:ext>
             </a:extLst>
           </p:cNvPr>
@@ -4842,7 +5004,7 @@
             <a:spLocks noGrp="1"/>
           </p:cNvSpPr>
           <p:nvPr>
-            <p:ph idx="1"/>
+            <p:ph type="body" idx="1"/>
           </p:nvPr>
         </p:nvSpPr>
         <p:spPr/>
@@ -4852,56 +5014,15 @@
           <a:p>
             <a:r>
               <a:rPr lang="en-IN" dirty="0"/>
-              <a:t>Azure CLI 2.0 queries are great, but ….</a:t>
-            </a:r>
-          </a:p>
-          <a:p>
-            <a:pPr lvl="1"/>
-            <a:r>
-              <a:rPr lang="en-IN" dirty="0"/>
-              <a:t>Can be extremely slow</a:t>
-            </a:r>
-          </a:p>
-          <a:p>
-            <a:pPr lvl="1"/>
-            <a:r>
-              <a:rPr lang="en-IN" dirty="0"/>
-              <a:t>Expensive</a:t>
-            </a:r>
-          </a:p>
-          <a:p>
-            <a:pPr lvl="1"/>
-            <a:endParaRPr lang="en-IN" dirty="0"/>
-          </a:p>
-          <a:p>
-            <a:r>
-              <a:rPr lang="en-IN" dirty="0"/>
-              <a:t>Azure Resource Graph to the rescue!</a:t>
-            </a:r>
-          </a:p>
-          <a:p>
-            <a:pPr lvl="1"/>
-            <a:r>
-              <a:rPr lang="en-IN" dirty="0"/>
-              <a:t>Installs as an extension</a:t>
-            </a:r>
-          </a:p>
-          <a:p>
-            <a:pPr lvl="1"/>
-            <a:r>
-              <a:rPr lang="en-IN" dirty="0"/>
-              <a:t>Requires Kusto Query Language (KQL) knowledge</a:t>
-            </a:r>
-          </a:p>
-          <a:p>
-            <a:endParaRPr lang="en-IN" dirty="0"/>
+              <a:t>Azure CLI 2.0 Queries</a:t>
+            </a:r>
           </a:p>
         </p:txBody>
       </p:sp>
     </p:spTree>
     <p:extLst>
       <p:ext uri="{BB962C8B-B14F-4D97-AF65-F5344CB8AC3E}">
-        <p14:creationId xmlns:p14="http://schemas.microsoft.com/office/powerpoint/2010/main" val="4274800897"/>
+        <p14:creationId xmlns:p14="http://schemas.microsoft.com/office/powerpoint/2010/main" val="4150392469"/>
       </p:ext>
     </p:extLst>
   </p:cSld>
@@ -4933,7 +5054,7 @@
           <p:cNvPr id="2" name="Title 1">
             <a:extLst>
               <a:ext uri="{FF2B5EF4-FFF2-40B4-BE49-F238E27FC236}">
-                <a16:creationId xmlns:a16="http://schemas.microsoft.com/office/drawing/2014/main" id="{4DCA887E-FACE-496B-B9E6-484CC5EBD802}"/>
+                <a16:creationId xmlns:a16="http://schemas.microsoft.com/office/drawing/2014/main" id="{A1539291-9100-4669-96E1-F95E2DD94E75}"/>
               </a:ext>
             </a:extLst>
           </p:cNvPr>
@@ -4950,18 +5071,19 @@
           <a:lstStyle/>
           <a:p>
             <a:r>
-              <a:rPr lang="en-IN" dirty="0"/>
-              <a:t>DEMO</a:t>
-            </a:r>
-          </a:p>
-        </p:txBody>
-      </p:sp>
-      <p:sp>
-        <p:nvSpPr>
-          <p:cNvPr id="3" name="Text Placeholder 2">
+              <a:rPr lang="en-US" dirty="0"/>
+              <a:t>Azure RESOURCE Queries</a:t>
+            </a:r>
+            <a:endParaRPr lang="en-IN" dirty="0"/>
+          </a:p>
+        </p:txBody>
+      </p:sp>
+      <p:sp>
+        <p:nvSpPr>
+          <p:cNvPr id="3" name="Content Placeholder 2">
             <a:extLst>
               <a:ext uri="{FF2B5EF4-FFF2-40B4-BE49-F238E27FC236}">
-                <a16:creationId xmlns:a16="http://schemas.microsoft.com/office/drawing/2014/main" id="{983000EE-D7CE-4244-91A0-AF13BB930CA9}"/>
+                <a16:creationId xmlns:a16="http://schemas.microsoft.com/office/drawing/2014/main" id="{DAD62638-7DA8-41FD-BB0C-F315122CB235}"/>
               </a:ext>
             </a:extLst>
           </p:cNvPr>
@@ -4969,7 +5091,7 @@
             <a:spLocks noGrp="1"/>
           </p:cNvSpPr>
           <p:nvPr>
-            <p:ph type="body" idx="1"/>
+            <p:ph idx="1"/>
           </p:nvPr>
         </p:nvSpPr>
         <p:spPr/>
@@ -4979,15 +5101,56 @@
           <a:p>
             <a:r>
               <a:rPr lang="en-IN" dirty="0"/>
-              <a:t>Azure Resource Graph with Azure CLI 2.0</a:t>
-            </a:r>
+              <a:t>Azure CLI 2.0 queries are great, but ….</a:t>
+            </a:r>
+          </a:p>
+          <a:p>
+            <a:pPr lvl="1"/>
+            <a:r>
+              <a:rPr lang="en-IN" dirty="0"/>
+              <a:t>Can be extremely slow</a:t>
+            </a:r>
+          </a:p>
+          <a:p>
+            <a:pPr lvl="1"/>
+            <a:r>
+              <a:rPr lang="en-IN" dirty="0"/>
+              <a:t>Expensive</a:t>
+            </a:r>
+          </a:p>
+          <a:p>
+            <a:pPr lvl="1"/>
+            <a:endParaRPr lang="en-IN" dirty="0"/>
+          </a:p>
+          <a:p>
+            <a:r>
+              <a:rPr lang="en-IN" dirty="0"/>
+              <a:t>Azure Resource Graph to the rescue!</a:t>
+            </a:r>
+          </a:p>
+          <a:p>
+            <a:pPr lvl="1"/>
+            <a:r>
+              <a:rPr lang="en-IN" dirty="0"/>
+              <a:t>Installs as an extension</a:t>
+            </a:r>
+          </a:p>
+          <a:p>
+            <a:pPr lvl="1"/>
+            <a:r>
+              <a:rPr lang="en-IN" dirty="0"/>
+              <a:t>Requires Kusto Query Language (KQL) knowledge</a:t>
+            </a:r>
+          </a:p>
+          <a:p>
+            <a:endParaRPr lang="en-IN" dirty="0"/>
           </a:p>
         </p:txBody>
       </p:sp>
     </p:spTree>
     <p:extLst>
       <p:ext uri="{BB962C8B-B14F-4D97-AF65-F5344CB8AC3E}">
-        <p14:creationId xmlns:p14="http://schemas.microsoft.com/office/powerpoint/2010/main" val="2917585169"/>
+        <p14:creationId xmlns:p14="http://schemas.microsoft.com/office/powerpoint/2010/main" val="4274800897"/>
       </p:ext>
     </p:extLst>
   </p:cSld>
